--- a/Slides/AI Part 6.pptx
+++ b/Slides/AI Part 6.pptx
@@ -307,7 +307,7 @@
           <a:p>
             <a:fld id="{84A21F22-AF1B-4EAC-94D8-F4A7A15E8771}" type="datetimeFigureOut">
               <a:rPr lang="en-GB" smtClean="0"/>
-              <a:t>12/04/2022</a:t>
+              <a:t>03/06/2022</a:t>
             </a:fld>
             <a:endParaRPr lang="en-GB"/>
           </a:p>
@@ -507,7 +507,7 @@
           <a:p>
             <a:fld id="{84A21F22-AF1B-4EAC-94D8-F4A7A15E8771}" type="datetimeFigureOut">
               <a:rPr lang="en-GB" smtClean="0"/>
-              <a:t>12/04/2022</a:t>
+              <a:t>03/06/2022</a:t>
             </a:fld>
             <a:endParaRPr lang="en-GB"/>
           </a:p>
@@ -717,7 +717,7 @@
           <a:p>
             <a:fld id="{84A21F22-AF1B-4EAC-94D8-F4A7A15E8771}" type="datetimeFigureOut">
               <a:rPr lang="en-GB" smtClean="0"/>
-              <a:t>12/04/2022</a:t>
+              <a:t>03/06/2022</a:t>
             </a:fld>
             <a:endParaRPr lang="en-GB"/>
           </a:p>
@@ -953,7 +953,7 @@
           <a:p>
             <a:fld id="{6C21EC1F-9507-4D27-9C64-015C1F72ED4D}" type="datetimeFigureOut">
               <a:rPr lang="en-GB" smtClean="0"/>
-              <a:t>12/04/2022</a:t>
+              <a:t>03/06/2022</a:t>
             </a:fld>
             <a:endParaRPr lang="en-GB"/>
           </a:p>
@@ -1123,7 +1123,7 @@
           <a:p>
             <a:fld id="{6C21EC1F-9507-4D27-9C64-015C1F72ED4D}" type="datetimeFigureOut">
               <a:rPr lang="en-GB" smtClean="0"/>
-              <a:t>12/04/2022</a:t>
+              <a:t>03/06/2022</a:t>
             </a:fld>
             <a:endParaRPr lang="en-GB"/>
           </a:p>
@@ -1391,7 +1391,7 @@
           <a:p>
             <a:fld id="{6C21EC1F-9507-4D27-9C64-015C1F72ED4D}" type="datetimeFigureOut">
               <a:rPr lang="en-GB" smtClean="0"/>
-              <a:t>12/04/2022</a:t>
+              <a:t>03/06/2022</a:t>
             </a:fld>
             <a:endParaRPr lang="en-GB"/>
           </a:p>
@@ -1623,7 +1623,7 @@
           <a:p>
             <a:fld id="{6C21EC1F-9507-4D27-9C64-015C1F72ED4D}" type="datetimeFigureOut">
               <a:rPr lang="en-GB" smtClean="0"/>
-              <a:t>12/04/2022</a:t>
+              <a:t>03/06/2022</a:t>
             </a:fld>
             <a:endParaRPr lang="en-GB"/>
           </a:p>
@@ -1982,7 +1982,7 @@
           <a:p>
             <a:fld id="{6C21EC1F-9507-4D27-9C64-015C1F72ED4D}" type="datetimeFigureOut">
               <a:rPr lang="en-GB" smtClean="0"/>
-              <a:t>12/04/2022</a:t>
+              <a:t>03/06/2022</a:t>
             </a:fld>
             <a:endParaRPr lang="en-GB"/>
           </a:p>
@@ -2123,7 +2123,7 @@
           <a:p>
             <a:fld id="{6C21EC1F-9507-4D27-9C64-015C1F72ED4D}" type="datetimeFigureOut">
               <a:rPr lang="en-GB" smtClean="0"/>
-              <a:t>12/04/2022</a:t>
+              <a:t>03/06/2022</a:t>
             </a:fld>
             <a:endParaRPr lang="en-GB"/>
           </a:p>
@@ -2218,7 +2218,7 @@
           <a:p>
             <a:fld id="{6C21EC1F-9507-4D27-9C64-015C1F72ED4D}" type="datetimeFigureOut">
               <a:rPr lang="en-GB" smtClean="0"/>
-              <a:t>12/04/2022</a:t>
+              <a:t>03/06/2022</a:t>
             </a:fld>
             <a:endParaRPr lang="en-GB"/>
           </a:p>
@@ -2575,7 +2575,7 @@
           <a:p>
             <a:fld id="{6C21EC1F-9507-4D27-9C64-015C1F72ED4D}" type="datetimeFigureOut">
               <a:rPr lang="en-GB" smtClean="0"/>
-              <a:t>12/04/2022</a:t>
+              <a:t>03/06/2022</a:t>
             </a:fld>
             <a:endParaRPr lang="en-GB"/>
           </a:p>
@@ -2778,7 +2778,7 @@
           <a:p>
             <a:fld id="{84A21F22-AF1B-4EAC-94D8-F4A7A15E8771}" type="datetimeFigureOut">
               <a:rPr lang="en-GB" smtClean="0"/>
-              <a:t>12/04/2022</a:t>
+              <a:t>03/06/2022</a:t>
             </a:fld>
             <a:endParaRPr lang="en-GB"/>
           </a:p>
@@ -3132,7 +3132,7 @@
           <a:p>
             <a:fld id="{6C21EC1F-9507-4D27-9C64-015C1F72ED4D}" type="datetimeFigureOut">
               <a:rPr lang="en-GB" smtClean="0"/>
-              <a:t>12/04/2022</a:t>
+              <a:t>03/06/2022</a:t>
             </a:fld>
             <a:endParaRPr lang="en-GB"/>
           </a:p>
@@ -3317,7 +3317,7 @@
           <a:p>
             <a:fld id="{6C21EC1F-9507-4D27-9C64-015C1F72ED4D}" type="datetimeFigureOut">
               <a:rPr lang="en-GB" smtClean="0"/>
-              <a:t>12/04/2022</a:t>
+              <a:t>03/06/2022</a:t>
             </a:fld>
             <a:endParaRPr lang="en-GB"/>
           </a:p>
@@ -3497,7 +3497,7 @@
           <a:p>
             <a:fld id="{6C21EC1F-9507-4D27-9C64-015C1F72ED4D}" type="datetimeFigureOut">
               <a:rPr lang="en-GB" smtClean="0"/>
-              <a:t>12/04/2022</a:t>
+              <a:t>03/06/2022</a:t>
             </a:fld>
             <a:endParaRPr lang="en-GB"/>
           </a:p>
@@ -3761,7 +3761,7 @@
           <a:p>
             <a:fld id="{84A21F22-AF1B-4EAC-94D8-F4A7A15E8771}" type="datetimeFigureOut">
               <a:rPr lang="en-GB" smtClean="0"/>
-              <a:t>12/04/2022</a:t>
+              <a:t>03/06/2022</a:t>
             </a:fld>
             <a:endParaRPr lang="en-GB"/>
           </a:p>
@@ -4029,7 +4029,7 @@
           <a:p>
             <a:fld id="{84A21F22-AF1B-4EAC-94D8-F4A7A15E8771}" type="datetimeFigureOut">
               <a:rPr lang="en-GB" smtClean="0"/>
-              <a:t>12/04/2022</a:t>
+              <a:t>03/06/2022</a:t>
             </a:fld>
             <a:endParaRPr lang="en-GB"/>
           </a:p>
@@ -4444,7 +4444,7 @@
           <a:p>
             <a:fld id="{84A21F22-AF1B-4EAC-94D8-F4A7A15E8771}" type="datetimeFigureOut">
               <a:rPr lang="en-GB" smtClean="0"/>
-              <a:t>12/04/2022</a:t>
+              <a:t>03/06/2022</a:t>
             </a:fld>
             <a:endParaRPr lang="en-GB"/>
           </a:p>
@@ -4586,7 +4586,7 @@
           <a:p>
             <a:fld id="{84A21F22-AF1B-4EAC-94D8-F4A7A15E8771}" type="datetimeFigureOut">
               <a:rPr lang="en-GB" smtClean="0"/>
-              <a:t>12/04/2022</a:t>
+              <a:t>03/06/2022</a:t>
             </a:fld>
             <a:endParaRPr lang="en-GB"/>
           </a:p>
@@ -4699,7 +4699,7 @@
           <a:p>
             <a:fld id="{84A21F22-AF1B-4EAC-94D8-F4A7A15E8771}" type="datetimeFigureOut">
               <a:rPr lang="en-GB" smtClean="0"/>
-              <a:t>12/04/2022</a:t>
+              <a:t>03/06/2022</a:t>
             </a:fld>
             <a:endParaRPr lang="en-GB"/>
           </a:p>
@@ -5012,7 +5012,7 @@
           <a:p>
             <a:fld id="{84A21F22-AF1B-4EAC-94D8-F4A7A15E8771}" type="datetimeFigureOut">
               <a:rPr lang="en-GB" smtClean="0"/>
-              <a:t>12/04/2022</a:t>
+              <a:t>03/06/2022</a:t>
             </a:fld>
             <a:endParaRPr lang="en-GB"/>
           </a:p>
@@ -5301,7 +5301,7 @@
           <a:p>
             <a:fld id="{84A21F22-AF1B-4EAC-94D8-F4A7A15E8771}" type="datetimeFigureOut">
               <a:rPr lang="en-GB" smtClean="0"/>
-              <a:t>12/04/2022</a:t>
+              <a:t>03/06/2022</a:t>
             </a:fld>
             <a:endParaRPr lang="en-GB"/>
           </a:p>
@@ -5544,7 +5544,7 @@
           <a:p>
             <a:fld id="{84A21F22-AF1B-4EAC-94D8-F4A7A15E8771}" type="datetimeFigureOut">
               <a:rPr lang="en-GB" smtClean="0"/>
-              <a:t>12/04/2022</a:t>
+              <a:t>03/06/2022</a:t>
             </a:fld>
             <a:endParaRPr lang="en-GB"/>
           </a:p>
@@ -6110,7 +6110,7 @@
           <a:p>
             <a:fld id="{6C21EC1F-9507-4D27-9C64-015C1F72ED4D}" type="datetimeFigureOut">
               <a:rPr lang="en-GB" smtClean="0"/>
-              <a:t>12/04/2022</a:t>
+              <a:t>03/06/2022</a:t>
             </a:fld>
             <a:endParaRPr lang="en-GB"/>
           </a:p>
@@ -11094,12 +11094,12 @@
               <a:rPr lang="en-GB" dirty="0">
                 <a:hlinkClick r:id="rId2"/>
               </a:rPr>
-              <a:t>https://github.com/philipmortimer/MNIST-TF/blob/main/kMeans.py</a:t>
-            </a:r>
-            <a:r>
-              <a:rPr lang="en-GB" dirty="0"/>
-              <a:t> </a:t>
-            </a:r>
+              <a:t>https://github.com/philipmortimer/AI-Course/blob/main/Programs/Part%206/kMeans/main.py</a:t>
+            </a:r>
+            <a:endParaRPr lang="en-GB" dirty="0"/>
+          </a:p>
+          <a:p>
+            <a:endParaRPr lang="en-GB" dirty="0"/>
           </a:p>
         </p:txBody>
       </p:sp>
@@ -13407,7 +13407,7 @@
               <a:rPr lang="en-GB" dirty="0">
                 <a:hlinkClick r:id="rId2"/>
               </a:rPr>
-              <a:t>https://github.com/philipmortimer/MNIST-TF/blob/main/autoEncoder.py</a:t>
+              <a:t>https://github.com/philipmortimer/AI-Course/blob/main/Programs/Part%206/autoencoder/main.py</a:t>
             </a:r>
             <a:r>
               <a:rPr lang="en-GB" dirty="0"/>
@@ -15247,7 +15247,7 @@
               <a:rPr lang="en-GB" dirty="0">
                 <a:hlinkClick r:id="rId2"/>
               </a:rPr>
-              <a:t>https://github.com/philipmortimer/MNIST-TF/blob/main/denoiseAutoencoder.py</a:t>
+              <a:t>https://github.com/philipmortimer/AI-Course/blob/main/Programs/Part%206/autoencoder/denoiseAutencoder.py</a:t>
             </a:r>
             <a:r>
               <a:rPr lang="en-GB" dirty="0"/>
